--- a/CS231n 11.19 발표.pptx
+++ b/CS231n 11.19 발표.pptx
@@ -5,7 +5,7 @@
     <p:sldMasterId id="2147483659" r:id="rId1"/>
   </p:sldMasterIdLst>
   <p:notesMasterIdLst>
-    <p:notesMasterId r:id="rId19"/>
+    <p:notesMasterId r:id="rId16"/>
   </p:notesMasterIdLst>
   <p:sldIdLst>
     <p:sldId id="256" r:id="rId2"/>
@@ -17,14 +17,11 @@
     <p:sldId id="273" r:id="rId8"/>
     <p:sldId id="274" r:id="rId9"/>
     <p:sldId id="275" r:id="rId10"/>
-    <p:sldId id="259" r:id="rId11"/>
-    <p:sldId id="260" r:id="rId12"/>
-    <p:sldId id="261" r:id="rId13"/>
-    <p:sldId id="276" r:id="rId14"/>
-    <p:sldId id="263" r:id="rId15"/>
-    <p:sldId id="265" r:id="rId16"/>
-    <p:sldId id="264" r:id="rId17"/>
-    <p:sldId id="266" r:id="rId18"/>
+    <p:sldId id="276" r:id="rId11"/>
+    <p:sldId id="263" r:id="rId12"/>
+    <p:sldId id="265" r:id="rId13"/>
+    <p:sldId id="264" r:id="rId14"/>
+    <p:sldId id="266" r:id="rId15"/>
   </p:sldIdLst>
   <p:sldSz cx="9144000" cy="5143500" type="screen16x9"/>
   <p:notesSz cx="6858000" cy="9144000"/>
@@ -834,536 +831,6 @@
   <p:cSld>
     <p:spTree>
       <p:nvGrpSpPr>
-        <p:cNvPr id="1" name="Shape 68"/>
-        <p:cNvGrpSpPr/>
-        <p:nvPr/>
-      </p:nvGrpSpPr>
-      <p:grpSpPr>
-        <a:xfrm>
-          <a:off x="0" y="0"/>
-          <a:ext cx="0" cy="0"/>
-          <a:chOff x="0" y="0"/>
-          <a:chExt cx="0" cy="0"/>
-        </a:xfrm>
-      </p:grpSpPr>
-      <p:sp>
-        <p:nvSpPr>
-          <p:cNvPr id="69" name="Google Shape;69;g118d7eca593_0_21:notes"/>
-          <p:cNvSpPr>
-            <a:spLocks noGrp="1" noRot="1" noChangeAspect="1"/>
-          </p:cNvSpPr>
-          <p:nvPr>
-            <p:ph type="sldImg" idx="2"/>
-          </p:nvPr>
-        </p:nvSpPr>
-        <p:spPr>
-          <a:xfrm>
-            <a:off x="381000" y="685800"/>
-            <a:ext cx="6096000" cy="3429000"/>
-          </a:xfrm>
-          <a:custGeom>
-            <a:avLst/>
-            <a:gdLst/>
-            <a:ahLst/>
-            <a:cxnLst/>
-            <a:rect l="l" t="t" r="r" b="b"/>
-            <a:pathLst>
-              <a:path w="120000" h="120000" extrusionOk="0">
-                <a:moveTo>
-                  <a:pt x="0" y="0"/>
-                </a:moveTo>
-                <a:lnTo>
-                  <a:pt x="120000" y="0"/>
-                </a:lnTo>
-                <a:lnTo>
-                  <a:pt x="120000" y="120000"/>
-                </a:lnTo>
-                <a:lnTo>
-                  <a:pt x="0" y="120000"/>
-                </a:lnTo>
-                <a:close/>
-              </a:path>
-            </a:pathLst>
-          </a:custGeom>
-        </p:spPr>
-      </p:sp>
-      <p:sp>
-        <p:nvSpPr>
-          <p:cNvPr id="70" name="Google Shape;70;g118d7eca593_0_21:notes"/>
-          <p:cNvSpPr txBox="1">
-            <a:spLocks noGrp="1"/>
-          </p:cNvSpPr>
-          <p:nvPr>
-            <p:ph type="body" idx="1"/>
-          </p:nvPr>
-        </p:nvSpPr>
-        <p:spPr>
-          <a:xfrm>
-            <a:off x="685800" y="4343400"/>
-            <a:ext cx="5486400" cy="4114800"/>
-          </a:xfrm>
-          <a:prstGeom prst="rect">
-            <a:avLst/>
-          </a:prstGeom>
-        </p:spPr>
-        <p:txBody>
-          <a:bodyPr spcFirstLastPara="1" wrap="square" lIns="91425" tIns="91425" rIns="91425" bIns="91425" anchor="t" anchorCtr="0">
-            <a:noAutofit/>
-          </a:bodyPr>
-          <a:lstStyle/>
-          <a:p>
-            <a:pPr marL="0" lvl="0" indent="0" algn="l" rtl="0">
-              <a:spcBef>
-                <a:spcPts val="0"/>
-              </a:spcBef>
-              <a:spcAft>
-                <a:spcPts val="0"/>
-              </a:spcAft>
-              <a:buNone/>
-            </a:pPr>
-            <a:r>
-              <a:rPr lang="en-US" dirty="0" err="1"/>
-              <a:t>PyTorch</a:t>
-            </a:r>
-            <a:r>
-              <a:rPr lang="en-US" dirty="0"/>
-              <a:t> –&gt; tensor </a:t>
-            </a:r>
-            <a:r>
-              <a:rPr lang="ko-KR" altLang="en-US" dirty="0"/>
-              <a:t>사용</a:t>
-            </a:r>
-            <a:endParaRPr lang="en-US" altLang="ko-KR" dirty="0"/>
-          </a:p>
-          <a:p>
-            <a:pPr marL="171450" lvl="0" indent="-171450" algn="l" rtl="0">
-              <a:spcBef>
-                <a:spcPts val="0"/>
-              </a:spcBef>
-              <a:spcAft>
-                <a:spcPts val="0"/>
-              </a:spcAft>
-              <a:buFontTx/>
-              <a:buChar char="-"/>
-            </a:pPr>
-            <a:r>
-              <a:rPr lang="en-US" dirty="0" err="1"/>
-              <a:t>Numpy</a:t>
-            </a:r>
-            <a:r>
-              <a:rPr lang="ko-KR" altLang="en-US" dirty="0"/>
-              <a:t>의 </a:t>
-            </a:r>
-            <a:r>
-              <a:rPr lang="en-US" altLang="ko-KR" dirty="0" err="1"/>
-              <a:t>ndarray</a:t>
-            </a:r>
-            <a:r>
-              <a:rPr lang="ko-KR" altLang="en-US" dirty="0"/>
-              <a:t>와 </a:t>
-            </a:r>
-            <a:r>
-              <a:rPr lang="ko-KR" altLang="en-US" dirty="0" err="1"/>
-              <a:t>비슷</a:t>
-            </a:r>
-            <a:endParaRPr lang="en-US" altLang="ko-KR" dirty="0"/>
-          </a:p>
-          <a:p>
-            <a:pPr marL="0" lvl="0" indent="0" algn="l" rtl="0">
-              <a:spcBef>
-                <a:spcPts val="0"/>
-              </a:spcBef>
-              <a:spcAft>
-                <a:spcPts val="0"/>
-              </a:spcAft>
-              <a:buFontTx/>
-              <a:buNone/>
-            </a:pPr>
-            <a:endParaRPr lang="en-US" dirty="0"/>
-          </a:p>
-          <a:p>
-            <a:pPr marL="171450" lvl="0" indent="-171450" algn="l" rtl="0">
-              <a:spcBef>
-                <a:spcPts val="0"/>
-              </a:spcBef>
-              <a:spcAft>
-                <a:spcPts val="0"/>
-              </a:spcAft>
-              <a:buFontTx/>
-              <a:buChar char="-"/>
-            </a:pPr>
-            <a:r>
-              <a:rPr lang="en-US" dirty="0"/>
-              <a:t>W1</a:t>
-            </a:r>
-            <a:r>
-              <a:rPr lang="ko-KR" altLang="en-US" dirty="0"/>
-              <a:t>와 </a:t>
-            </a:r>
-            <a:r>
-              <a:rPr lang="en-US" altLang="ko-KR" dirty="0"/>
-              <a:t>W2</a:t>
-            </a:r>
-            <a:r>
-              <a:rPr lang="ko-KR" altLang="en-US" dirty="0"/>
-              <a:t>는 학습 중에 기울기를 계산해야 하므로 </a:t>
-            </a:r>
-            <a:r>
-              <a:rPr lang="en-US" altLang="ko-KR" dirty="0"/>
-              <a:t>True</a:t>
-            </a:r>
-            <a:r>
-              <a:rPr lang="ko-KR" altLang="en-US" dirty="0"/>
-              <a:t>로 설정해 자동으로 미분을 해준다</a:t>
-            </a:r>
-            <a:r>
-              <a:rPr lang="en-US" altLang="ko-KR" dirty="0"/>
-              <a:t>.</a:t>
-            </a:r>
-          </a:p>
-          <a:p>
-            <a:pPr marL="171450" lvl="0" indent="-171450" algn="l" rtl="0">
-              <a:spcBef>
-                <a:spcPts val="0"/>
-              </a:spcBef>
-              <a:spcAft>
-                <a:spcPts val="0"/>
-              </a:spcAft>
-              <a:buFontTx/>
-              <a:buChar char="-"/>
-            </a:pPr>
-            <a:endParaRPr lang="en-US" dirty="0"/>
-          </a:p>
-          <a:p>
-            <a:pPr marL="0" lvl="0" indent="0" algn="l" rtl="0">
-              <a:spcBef>
-                <a:spcPts val="0"/>
-              </a:spcBef>
-              <a:spcAft>
-                <a:spcPts val="0"/>
-              </a:spcAft>
-              <a:buFontTx/>
-              <a:buNone/>
-            </a:pPr>
-            <a:endParaRPr lang="en-US" dirty="0"/>
-          </a:p>
-          <a:p>
-            <a:pPr marL="0" lvl="0" indent="0" algn="l" rtl="0">
-              <a:spcBef>
-                <a:spcPts val="0"/>
-              </a:spcBef>
-              <a:spcAft>
-                <a:spcPts val="0"/>
-              </a:spcAft>
-              <a:buFontTx/>
-              <a:buNone/>
-            </a:pPr>
-            <a:r>
-              <a:rPr lang="en-US" dirty="0"/>
-              <a:t>- </a:t>
-            </a:r>
-            <a:r>
-              <a:rPr lang="ko-KR" altLang="en-US" dirty="0" err="1"/>
-              <a:t>파이토치의</a:t>
-            </a:r>
-            <a:r>
-              <a:rPr lang="ko-KR" altLang="en-US" dirty="0"/>
-              <a:t> 순전파와 </a:t>
-            </a:r>
-            <a:r>
-              <a:rPr lang="ko-KR" altLang="en-US" dirty="0" err="1"/>
-              <a:t>역전파</a:t>
-            </a:r>
-            <a:r>
-              <a:rPr lang="ko-KR" altLang="en-US" dirty="0"/>
-              <a:t> 코드에 대해서만 간단하게 </a:t>
-            </a:r>
-            <a:r>
-              <a:rPr lang="ko-KR" altLang="en-US" dirty="0" err="1"/>
-              <a:t>설명드리겠습니다</a:t>
-            </a:r>
-            <a:r>
-              <a:rPr lang="en-US" altLang="ko-KR" dirty="0"/>
-              <a:t>. </a:t>
-            </a:r>
-            <a:endParaRPr dirty="0"/>
-          </a:p>
-        </p:txBody>
-      </p:sp>
-    </p:spTree>
-    <p:extLst>
-      <p:ext uri="{BB962C8B-B14F-4D97-AF65-F5344CB8AC3E}">
-        <p14:creationId xmlns:p14="http://schemas.microsoft.com/office/powerpoint/2010/main" val="267580069"/>
-      </p:ext>
-    </p:extLst>
-  </p:cSld>
-  <p:clrMapOvr>
-    <a:masterClrMapping/>
-  </p:clrMapOvr>
-</p:notes>
-</file>
-
-<file path=ppt/notesSlides/notesSlide11.xml><?xml version="1.0" encoding="utf-8"?>
-<p:notes xmlns:a="http://schemas.openxmlformats.org/drawingml/2006/main" xmlns:r="http://schemas.openxmlformats.org/officeDocument/2006/relationships" xmlns:p="http://schemas.openxmlformats.org/presentationml/2006/main" showMasterSp="0" showMasterPhAnim="0">
-  <p:cSld>
-    <p:spTree>
-      <p:nvGrpSpPr>
-        <p:cNvPr id="1" name="Shape 68">
-          <a:extLst>
-            <a:ext uri="{FF2B5EF4-FFF2-40B4-BE49-F238E27FC236}">
-              <a16:creationId xmlns:a16="http://schemas.microsoft.com/office/drawing/2014/main" id="{71DE2695-658B-1B92-42F8-A2CD826335BF}"/>
-            </a:ext>
-          </a:extLst>
-        </p:cNvPr>
-        <p:cNvGrpSpPr/>
-        <p:nvPr/>
-      </p:nvGrpSpPr>
-      <p:grpSpPr>
-        <a:xfrm>
-          <a:off x="0" y="0"/>
-          <a:ext cx="0" cy="0"/>
-          <a:chOff x="0" y="0"/>
-          <a:chExt cx="0" cy="0"/>
-        </a:xfrm>
-      </p:grpSpPr>
-      <p:sp>
-        <p:nvSpPr>
-          <p:cNvPr id="69" name="Google Shape;69;g118d7eca593_0_21:notes">
-            <a:extLst>
-              <a:ext uri="{FF2B5EF4-FFF2-40B4-BE49-F238E27FC236}">
-                <a16:creationId xmlns:a16="http://schemas.microsoft.com/office/drawing/2014/main" id="{9509BFF0-DD87-7AA4-3CFF-5DC871EAF930}"/>
-              </a:ext>
-            </a:extLst>
-          </p:cNvPr>
-          <p:cNvSpPr>
-            <a:spLocks noGrp="1" noRot="1" noChangeAspect="1"/>
-          </p:cNvSpPr>
-          <p:nvPr>
-            <p:ph type="sldImg" idx="2"/>
-          </p:nvPr>
-        </p:nvSpPr>
-        <p:spPr>
-          <a:xfrm>
-            <a:off x="381000" y="685800"/>
-            <a:ext cx="6096000" cy="3429000"/>
-          </a:xfrm>
-          <a:custGeom>
-            <a:avLst/>
-            <a:gdLst/>
-            <a:ahLst/>
-            <a:cxnLst/>
-            <a:rect l="l" t="t" r="r" b="b"/>
-            <a:pathLst>
-              <a:path w="120000" h="120000" extrusionOk="0">
-                <a:moveTo>
-                  <a:pt x="0" y="0"/>
-                </a:moveTo>
-                <a:lnTo>
-                  <a:pt x="120000" y="0"/>
-                </a:lnTo>
-                <a:lnTo>
-                  <a:pt x="120000" y="120000"/>
-                </a:lnTo>
-                <a:lnTo>
-                  <a:pt x="0" y="120000"/>
-                </a:lnTo>
-                <a:close/>
-              </a:path>
-            </a:pathLst>
-          </a:custGeom>
-        </p:spPr>
-      </p:sp>
-      <p:sp>
-        <p:nvSpPr>
-          <p:cNvPr id="70" name="Google Shape;70;g118d7eca593_0_21:notes">
-            <a:extLst>
-              <a:ext uri="{FF2B5EF4-FFF2-40B4-BE49-F238E27FC236}">
-                <a16:creationId xmlns:a16="http://schemas.microsoft.com/office/drawing/2014/main" id="{B9C8C479-C482-5DA2-62E6-95055DB02B98}"/>
-              </a:ext>
-            </a:extLst>
-          </p:cNvPr>
-          <p:cNvSpPr txBox="1">
-            <a:spLocks noGrp="1"/>
-          </p:cNvSpPr>
-          <p:nvPr>
-            <p:ph type="body" idx="1"/>
-          </p:nvPr>
-        </p:nvSpPr>
-        <p:spPr>
-          <a:xfrm>
-            <a:off x="685800" y="4343400"/>
-            <a:ext cx="5486400" cy="4114800"/>
-          </a:xfrm>
-          <a:prstGeom prst="rect">
-            <a:avLst/>
-          </a:prstGeom>
-        </p:spPr>
-        <p:txBody>
-          <a:bodyPr spcFirstLastPara="1" wrap="square" lIns="91425" tIns="91425" rIns="91425" bIns="91425" anchor="t" anchorCtr="0">
-            <a:noAutofit/>
-          </a:bodyPr>
-          <a:lstStyle/>
-          <a:p>
-            <a:pPr marL="171450" lvl="0" indent="-171450" algn="l" rtl="0">
-              <a:spcBef>
-                <a:spcPts val="0"/>
-              </a:spcBef>
-              <a:spcAft>
-                <a:spcPts val="0"/>
-              </a:spcAft>
-              <a:buFontTx/>
-              <a:buChar char="-"/>
-            </a:pPr>
-            <a:endParaRPr dirty="0"/>
-          </a:p>
-        </p:txBody>
-      </p:sp>
-    </p:spTree>
-    <p:extLst>
-      <p:ext uri="{BB962C8B-B14F-4D97-AF65-F5344CB8AC3E}">
-        <p14:creationId xmlns:p14="http://schemas.microsoft.com/office/powerpoint/2010/main" val="912936211"/>
-      </p:ext>
-    </p:extLst>
-  </p:cSld>
-  <p:clrMapOvr>
-    <a:masterClrMapping/>
-  </p:clrMapOvr>
-</p:notes>
-</file>
-
-<file path=ppt/notesSlides/notesSlide12.xml><?xml version="1.0" encoding="utf-8"?>
-<p:notes xmlns:a="http://schemas.openxmlformats.org/drawingml/2006/main" xmlns:r="http://schemas.openxmlformats.org/officeDocument/2006/relationships" xmlns:p="http://schemas.openxmlformats.org/presentationml/2006/main" showMasterSp="0" showMasterPhAnim="0">
-  <p:cSld>
-    <p:spTree>
-      <p:nvGrpSpPr>
-        <p:cNvPr id="1" name="Shape 68">
-          <a:extLst>
-            <a:ext uri="{FF2B5EF4-FFF2-40B4-BE49-F238E27FC236}">
-              <a16:creationId xmlns:a16="http://schemas.microsoft.com/office/drawing/2014/main" id="{DB0E9177-4114-5503-B3B7-DC3AEFE301D4}"/>
-            </a:ext>
-          </a:extLst>
-        </p:cNvPr>
-        <p:cNvGrpSpPr/>
-        <p:nvPr/>
-      </p:nvGrpSpPr>
-      <p:grpSpPr>
-        <a:xfrm>
-          <a:off x="0" y="0"/>
-          <a:ext cx="0" cy="0"/>
-          <a:chOff x="0" y="0"/>
-          <a:chExt cx="0" cy="0"/>
-        </a:xfrm>
-      </p:grpSpPr>
-      <p:sp>
-        <p:nvSpPr>
-          <p:cNvPr id="69" name="Google Shape;69;g118d7eca593_0_21:notes">
-            <a:extLst>
-              <a:ext uri="{FF2B5EF4-FFF2-40B4-BE49-F238E27FC236}">
-                <a16:creationId xmlns:a16="http://schemas.microsoft.com/office/drawing/2014/main" id="{8B0981CB-DC79-5E47-04E4-BE841803925F}"/>
-              </a:ext>
-            </a:extLst>
-          </p:cNvPr>
-          <p:cNvSpPr>
-            <a:spLocks noGrp="1" noRot="1" noChangeAspect="1"/>
-          </p:cNvSpPr>
-          <p:nvPr>
-            <p:ph type="sldImg" idx="2"/>
-          </p:nvPr>
-        </p:nvSpPr>
-        <p:spPr>
-          <a:xfrm>
-            <a:off x="381000" y="685800"/>
-            <a:ext cx="6096000" cy="3429000"/>
-          </a:xfrm>
-          <a:custGeom>
-            <a:avLst/>
-            <a:gdLst/>
-            <a:ahLst/>
-            <a:cxnLst/>
-            <a:rect l="l" t="t" r="r" b="b"/>
-            <a:pathLst>
-              <a:path w="120000" h="120000" extrusionOk="0">
-                <a:moveTo>
-                  <a:pt x="0" y="0"/>
-                </a:moveTo>
-                <a:lnTo>
-                  <a:pt x="120000" y="0"/>
-                </a:lnTo>
-                <a:lnTo>
-                  <a:pt x="120000" y="120000"/>
-                </a:lnTo>
-                <a:lnTo>
-                  <a:pt x="0" y="120000"/>
-                </a:lnTo>
-                <a:close/>
-              </a:path>
-            </a:pathLst>
-          </a:custGeom>
-        </p:spPr>
-      </p:sp>
-      <p:sp>
-        <p:nvSpPr>
-          <p:cNvPr id="70" name="Google Shape;70;g118d7eca593_0_21:notes">
-            <a:extLst>
-              <a:ext uri="{FF2B5EF4-FFF2-40B4-BE49-F238E27FC236}">
-                <a16:creationId xmlns:a16="http://schemas.microsoft.com/office/drawing/2014/main" id="{B903CEED-4626-BE69-8B16-D5F5F89C0136}"/>
-              </a:ext>
-            </a:extLst>
-          </p:cNvPr>
-          <p:cNvSpPr txBox="1">
-            <a:spLocks noGrp="1"/>
-          </p:cNvSpPr>
-          <p:nvPr>
-            <p:ph type="body" idx="1"/>
-          </p:nvPr>
-        </p:nvSpPr>
-        <p:spPr>
-          <a:xfrm>
-            <a:off x="685800" y="4343400"/>
-            <a:ext cx="5486400" cy="4114800"/>
-          </a:xfrm>
-          <a:prstGeom prst="rect">
-            <a:avLst/>
-          </a:prstGeom>
-        </p:spPr>
-        <p:txBody>
-          <a:bodyPr spcFirstLastPara="1" wrap="square" lIns="91425" tIns="91425" rIns="91425" bIns="91425" anchor="t" anchorCtr="0">
-            <a:noAutofit/>
-          </a:bodyPr>
-          <a:lstStyle/>
-          <a:p>
-            <a:pPr marL="171450" lvl="0" indent="-171450" algn="l" rtl="0">
-              <a:spcBef>
-                <a:spcPts val="0"/>
-              </a:spcBef>
-              <a:spcAft>
-                <a:spcPts val="0"/>
-              </a:spcAft>
-              <a:buFontTx/>
-              <a:buChar char="-"/>
-            </a:pPr>
-            <a:endParaRPr dirty="0"/>
-          </a:p>
-        </p:txBody>
-      </p:sp>
-    </p:spTree>
-    <p:extLst>
-      <p:ext uri="{BB962C8B-B14F-4D97-AF65-F5344CB8AC3E}">
-        <p14:creationId xmlns:p14="http://schemas.microsoft.com/office/powerpoint/2010/main" val="3927470880"/>
-      </p:ext>
-    </p:extLst>
-  </p:cSld>
-  <p:clrMapOvr>
-    <a:masterClrMapping/>
-  </p:clrMapOvr>
-</p:notes>
-</file>
-
-<file path=ppt/notesSlides/notesSlide13.xml><?xml version="1.0" encoding="utf-8"?>
-<p:notes xmlns:a="http://schemas.openxmlformats.org/drawingml/2006/main" xmlns:r="http://schemas.openxmlformats.org/officeDocument/2006/relationships" xmlns:p="http://schemas.openxmlformats.org/presentationml/2006/main" showMasterSp="0" showMasterPhAnim="0">
-  <p:cSld>
-    <p:spTree>
-      <p:nvGrpSpPr>
         <p:cNvPr id="1" name="Shape 68">
           <a:extLst>
             <a:ext uri="{FF2B5EF4-FFF2-40B4-BE49-F238E27FC236}">
@@ -1487,7 +954,7 @@
 </p:notes>
 </file>
 
-<file path=ppt/notesSlides/notesSlide14.xml><?xml version="1.0" encoding="utf-8"?>
+<file path=ppt/notesSlides/notesSlide11.xml><?xml version="1.0" encoding="utf-8"?>
 <p:notes xmlns:a="http://schemas.openxmlformats.org/drawingml/2006/main" xmlns:r="http://schemas.openxmlformats.org/officeDocument/2006/relationships" xmlns:p="http://schemas.openxmlformats.org/presentationml/2006/main" showMasterSp="0" showMasterPhAnim="0">
   <p:cSld>
     <p:spTree>
@@ -1615,7 +1082,7 @@
 </p:notes>
 </file>
 
-<file path=ppt/notesSlides/notesSlide15.xml><?xml version="1.0" encoding="utf-8"?>
+<file path=ppt/notesSlides/notesSlide12.xml><?xml version="1.0" encoding="utf-8"?>
 <p:notes xmlns:a="http://schemas.openxmlformats.org/drawingml/2006/main" xmlns:r="http://schemas.openxmlformats.org/officeDocument/2006/relationships" xmlns:p="http://schemas.openxmlformats.org/presentationml/2006/main" showMasterSp="0" showMasterPhAnim="0">
   <p:cSld>
     <p:spTree>
@@ -1743,7 +1210,7 @@
 </p:notes>
 </file>
 
-<file path=ppt/notesSlides/notesSlide16.xml><?xml version="1.0" encoding="utf-8"?>
+<file path=ppt/notesSlides/notesSlide13.xml><?xml version="1.0" encoding="utf-8"?>
 <p:notes xmlns:a="http://schemas.openxmlformats.org/drawingml/2006/main" xmlns:r="http://schemas.openxmlformats.org/officeDocument/2006/relationships" xmlns:p="http://schemas.openxmlformats.org/presentationml/2006/main" showMasterSp="0" showMasterPhAnim="0">
   <p:cSld>
     <p:spTree>
@@ -1871,7 +1338,7 @@
 </p:notes>
 </file>
 
-<file path=ppt/notesSlides/notesSlide17.xml><?xml version="1.0" encoding="utf-8"?>
+<file path=ppt/notesSlides/notesSlide14.xml><?xml version="1.0" encoding="utf-8"?>
 <p:notes xmlns:a="http://schemas.openxmlformats.org/drawingml/2006/main" xmlns:r="http://schemas.openxmlformats.org/officeDocument/2006/relationships" xmlns:p="http://schemas.openxmlformats.org/presentationml/2006/main" showMasterSp="0" showMasterPhAnim="0">
   <p:cSld>
     <p:spTree>
@@ -8343,1075 +7810,6 @@
   <p:cSld>
     <p:spTree>
       <p:nvGrpSpPr>
-        <p:cNvPr id="1" name="Shape 71"/>
-        <p:cNvGrpSpPr/>
-        <p:nvPr/>
-      </p:nvGrpSpPr>
-      <p:grpSpPr>
-        <a:xfrm>
-          <a:off x="0" y="0"/>
-          <a:ext cx="0" cy="0"/>
-          <a:chOff x="0" y="0"/>
-          <a:chExt cx="0" cy="0"/>
-        </a:xfrm>
-      </p:grpSpPr>
-      <p:sp>
-        <p:nvSpPr>
-          <p:cNvPr id="72" name="Google Shape;72;p15"/>
-          <p:cNvSpPr/>
-          <p:nvPr/>
-        </p:nvSpPr>
-        <p:spPr>
-          <a:xfrm>
-            <a:off x="0" y="-37950"/>
-            <a:ext cx="1181100" cy="5219400"/>
-          </a:xfrm>
-          <a:prstGeom prst="rect">
-            <a:avLst/>
-          </a:prstGeom>
-          <a:solidFill>
-            <a:srgbClr val="19264B"/>
-          </a:solidFill>
-          <a:ln>
-            <a:noFill/>
-          </a:ln>
-        </p:spPr>
-        <p:txBody>
-          <a:bodyPr spcFirstLastPara="1" wrap="square" lIns="91425" tIns="91425" rIns="91425" bIns="91425" anchor="ctr" anchorCtr="0">
-            <a:noAutofit/>
-          </a:bodyPr>
-          <a:lstStyle/>
-          <a:p>
-            <a:pPr marL="0" lvl="0" indent="0" algn="l" rtl="0">
-              <a:spcBef>
-                <a:spcPts val="0"/>
-              </a:spcBef>
-              <a:spcAft>
-                <a:spcPts val="0"/>
-              </a:spcAft>
-              <a:buNone/>
-            </a:pPr>
-            <a:endParaRPr dirty="0">
-              <a:latin typeface="맑은 고딕" panose="020B0503020000020004" pitchFamily="50" charset="-127"/>
-              <a:ea typeface="맑은 고딕" panose="020B0503020000020004" pitchFamily="50" charset="-127"/>
-            </a:endParaRPr>
-          </a:p>
-        </p:txBody>
-      </p:sp>
-      <p:cxnSp>
-        <p:nvCxnSpPr>
-          <p:cNvPr id="73" name="Google Shape;73;p15"/>
-          <p:cNvCxnSpPr/>
-          <p:nvPr/>
-        </p:nvCxnSpPr>
-        <p:spPr>
-          <a:xfrm>
-            <a:off x="172875" y="-37950"/>
-            <a:ext cx="0" cy="2187000"/>
-          </a:xfrm>
-          <a:prstGeom prst="straightConnector1">
-            <a:avLst/>
-          </a:prstGeom>
-          <a:noFill/>
-          <a:ln w="38100" cap="flat" cmpd="sng">
-            <a:solidFill>
-              <a:schemeClr val="lt1"/>
-            </a:solidFill>
-            <a:prstDash val="solid"/>
-            <a:round/>
-            <a:headEnd type="none" w="med" len="med"/>
-            <a:tailEnd type="none" w="med" len="med"/>
-          </a:ln>
-        </p:spPr>
-      </p:cxnSp>
-      <p:pic>
-        <p:nvPicPr>
-          <p:cNvPr id="74" name="Google Shape;74;p15"/>
-          <p:cNvPicPr preferRelativeResize="0"/>
-          <p:nvPr/>
-        </p:nvPicPr>
-        <p:blipFill>
-          <a:blip r:embed="rId3">
-            <a:alphaModFix/>
-          </a:blip>
-          <a:stretch>
-            <a:fillRect/>
-          </a:stretch>
-        </p:blipFill>
-        <p:spPr>
-          <a:xfrm rot="5400000">
-            <a:off x="-928700" y="3071650"/>
-            <a:ext cx="3038475" cy="1181100"/>
-          </a:xfrm>
-          <a:prstGeom prst="rect">
-            <a:avLst/>
-          </a:prstGeom>
-          <a:noFill/>
-          <a:ln>
-            <a:noFill/>
-          </a:ln>
-        </p:spPr>
-      </p:pic>
-      <p:sp>
-        <p:nvSpPr>
-          <p:cNvPr id="2" name="TextBox 1">
-            <a:extLst>
-              <a:ext uri="{FF2B5EF4-FFF2-40B4-BE49-F238E27FC236}">
-                <a16:creationId xmlns:a16="http://schemas.microsoft.com/office/drawing/2014/main" id="{D1B7871B-BB72-8A72-0A1D-8C9947A04E5B}"/>
-              </a:ext>
-            </a:extLst>
-          </p:cNvPr>
-          <p:cNvSpPr txBox="1"/>
-          <p:nvPr/>
-        </p:nvSpPr>
-        <p:spPr>
-          <a:xfrm>
-            <a:off x="1353975" y="228600"/>
-            <a:ext cx="1558440" cy="584775"/>
-          </a:xfrm>
-          <a:prstGeom prst="rect">
-            <a:avLst/>
-          </a:prstGeom>
-          <a:noFill/>
-        </p:spPr>
-        <p:txBody>
-          <a:bodyPr wrap="none" rtlCol="0">
-            <a:spAutoFit/>
-          </a:bodyPr>
-          <a:lstStyle/>
-          <a:p>
-            <a:r>
-              <a:rPr lang="en-US" altLang="ko-KR" sz="3200" b="1" dirty="0" err="1">
-                <a:solidFill>
-                  <a:schemeClr val="tx1"/>
-                </a:solidFill>
-                <a:latin typeface="applesdgothicneo-ultralight"/>
-              </a:rPr>
-              <a:t>PyTorch</a:t>
-            </a:r>
-            <a:endParaRPr lang="ko-KR" altLang="en-US" sz="3200" dirty="0">
-              <a:solidFill>
-                <a:schemeClr val="tx1"/>
-              </a:solidFill>
-            </a:endParaRPr>
-          </a:p>
-        </p:txBody>
-      </p:sp>
-      <p:sp>
-        <p:nvSpPr>
-          <p:cNvPr id="3" name="TextBox 2">
-            <a:extLst>
-              <a:ext uri="{FF2B5EF4-FFF2-40B4-BE49-F238E27FC236}">
-                <a16:creationId xmlns:a16="http://schemas.microsoft.com/office/drawing/2014/main" id="{66A7FD68-782E-45E3-A65E-EFBBBF733877}"/>
-              </a:ext>
-            </a:extLst>
-          </p:cNvPr>
-          <p:cNvSpPr txBox="1"/>
-          <p:nvPr/>
-        </p:nvSpPr>
-        <p:spPr>
-          <a:xfrm>
-            <a:off x="1556921" y="3903284"/>
-            <a:ext cx="5166799" cy="646331"/>
-          </a:xfrm>
-          <a:prstGeom prst="rect">
-            <a:avLst/>
-          </a:prstGeom>
-          <a:noFill/>
-        </p:spPr>
-        <p:txBody>
-          <a:bodyPr wrap="none" rtlCol="0">
-            <a:spAutoFit/>
-          </a:bodyPr>
-          <a:lstStyle/>
-          <a:p>
-            <a:pPr marL="285750" indent="-285750">
-              <a:buFontTx/>
-              <a:buChar char="-"/>
-            </a:pPr>
-            <a:r>
-              <a:rPr lang="en-US" altLang="ko-KR" sz="1800" dirty="0"/>
-              <a:t>N : </a:t>
-            </a:r>
-            <a:r>
-              <a:rPr lang="ko-KR" altLang="en-US" sz="1800" dirty="0"/>
-              <a:t>배치 크기</a:t>
-            </a:r>
-            <a:r>
-              <a:rPr lang="en-US" altLang="ko-KR" sz="1800" dirty="0"/>
-              <a:t>, </a:t>
-            </a:r>
-            <a:r>
-              <a:rPr lang="en-US" altLang="ko-KR" sz="1800" dirty="0" err="1"/>
-              <a:t>D_in</a:t>
-            </a:r>
-            <a:r>
-              <a:rPr lang="en-US" altLang="ko-KR" sz="1800" dirty="0"/>
-              <a:t>/out : </a:t>
-            </a:r>
-            <a:r>
-              <a:rPr lang="ko-KR" altLang="en-US" sz="1800" dirty="0"/>
-              <a:t>입력</a:t>
-            </a:r>
-            <a:r>
-              <a:rPr lang="en-US" altLang="ko-KR" sz="1800" dirty="0"/>
-              <a:t>/</a:t>
-            </a:r>
-            <a:r>
-              <a:rPr lang="ko-KR" altLang="en-US" sz="1800" dirty="0"/>
-              <a:t>출력</a:t>
-            </a:r>
-            <a:r>
-              <a:rPr lang="en-US" altLang="ko-KR" sz="1800" dirty="0"/>
-              <a:t>, H : </a:t>
-            </a:r>
-            <a:r>
-              <a:rPr lang="ko-KR" altLang="en-US" sz="1800" dirty="0" err="1"/>
-              <a:t>은닉층</a:t>
-            </a:r>
-            <a:endParaRPr lang="en-US" altLang="ko-KR" sz="1800" dirty="0"/>
-          </a:p>
-          <a:p>
-            <a:pPr marL="285750" indent="-285750">
-              <a:buFontTx/>
-              <a:buChar char="-"/>
-            </a:pPr>
-            <a:r>
-              <a:rPr lang="en-US" altLang="ko-KR" sz="1800" dirty="0" err="1"/>
-              <a:t>Requires_grad</a:t>
-            </a:r>
-            <a:r>
-              <a:rPr lang="ko-KR" altLang="en-US" sz="1800" dirty="0"/>
-              <a:t> </a:t>
-            </a:r>
-            <a:r>
-              <a:rPr lang="en-US" altLang="ko-KR" sz="1800" dirty="0"/>
-              <a:t>:</a:t>
-            </a:r>
-            <a:r>
-              <a:rPr lang="ko-KR" altLang="en-US" sz="1800" dirty="0"/>
-              <a:t> </a:t>
-            </a:r>
-            <a:r>
-              <a:rPr lang="en-US" altLang="ko-KR" sz="1800" dirty="0"/>
-              <a:t>gradient</a:t>
-            </a:r>
-            <a:r>
-              <a:rPr lang="ko-KR" altLang="en-US" sz="1800" dirty="0"/>
-              <a:t>의 필요 유무</a:t>
-            </a:r>
-            <a:endParaRPr lang="en-US" altLang="ko-KR" sz="1800" dirty="0"/>
-          </a:p>
-        </p:txBody>
-      </p:sp>
-      <p:pic>
-        <p:nvPicPr>
-          <p:cNvPr id="7" name="그림 6">
-            <a:extLst>
-              <a:ext uri="{FF2B5EF4-FFF2-40B4-BE49-F238E27FC236}">
-                <a16:creationId xmlns:a16="http://schemas.microsoft.com/office/drawing/2014/main" id="{6AA990E5-8E74-A350-D256-64DD838BEEA5}"/>
-              </a:ext>
-            </a:extLst>
-          </p:cNvPr>
-          <p:cNvPicPr>
-            <a:picLocks noChangeAspect="1"/>
-          </p:cNvPicPr>
-          <p:nvPr/>
-        </p:nvPicPr>
-        <p:blipFill>
-          <a:blip r:embed="rId4"/>
-          <a:stretch>
-            <a:fillRect/>
-          </a:stretch>
-        </p:blipFill>
-        <p:spPr>
-          <a:xfrm>
-            <a:off x="1556921" y="1055550"/>
-            <a:ext cx="7276459" cy="2654452"/>
-          </a:xfrm>
-          <a:prstGeom prst="rect">
-            <a:avLst/>
-          </a:prstGeom>
-        </p:spPr>
-      </p:pic>
-    </p:spTree>
-    <p:extLst>
-      <p:ext uri="{BB962C8B-B14F-4D97-AF65-F5344CB8AC3E}">
-        <p14:creationId xmlns:p14="http://schemas.microsoft.com/office/powerpoint/2010/main" val="1256449207"/>
-      </p:ext>
-    </p:extLst>
-  </p:cSld>
-  <p:clrMapOvr>
-    <a:masterClrMapping/>
-  </p:clrMapOvr>
-</p:sld>
-</file>
-
-<file path=ppt/slides/slide11.xml><?xml version="1.0" encoding="utf-8"?>
-<p:sld xmlns:a="http://schemas.openxmlformats.org/drawingml/2006/main" xmlns:r="http://schemas.openxmlformats.org/officeDocument/2006/relationships" xmlns:p="http://schemas.openxmlformats.org/presentationml/2006/main">
-  <p:cSld>
-    <p:spTree>
-      <p:nvGrpSpPr>
-        <p:cNvPr id="1" name="Shape 71">
-          <a:extLst>
-            <a:ext uri="{FF2B5EF4-FFF2-40B4-BE49-F238E27FC236}">
-              <a16:creationId xmlns:a16="http://schemas.microsoft.com/office/drawing/2014/main" id="{5AAC76FE-D5CA-3158-201E-E433DBF87BBE}"/>
-            </a:ext>
-          </a:extLst>
-        </p:cNvPr>
-        <p:cNvGrpSpPr/>
-        <p:nvPr/>
-      </p:nvGrpSpPr>
-      <p:grpSpPr>
-        <a:xfrm>
-          <a:off x="0" y="0"/>
-          <a:ext cx="0" cy="0"/>
-          <a:chOff x="0" y="0"/>
-          <a:chExt cx="0" cy="0"/>
-        </a:xfrm>
-      </p:grpSpPr>
-      <p:sp>
-        <p:nvSpPr>
-          <p:cNvPr id="72" name="Google Shape;72;p15">
-            <a:extLst>
-              <a:ext uri="{FF2B5EF4-FFF2-40B4-BE49-F238E27FC236}">
-                <a16:creationId xmlns:a16="http://schemas.microsoft.com/office/drawing/2014/main" id="{71883D1B-6CD8-64A1-E8BB-DB32C9BF8D0F}"/>
-              </a:ext>
-            </a:extLst>
-          </p:cNvPr>
-          <p:cNvSpPr/>
-          <p:nvPr/>
-        </p:nvSpPr>
-        <p:spPr>
-          <a:xfrm>
-            <a:off x="0" y="-37950"/>
-            <a:ext cx="1181100" cy="5219400"/>
-          </a:xfrm>
-          <a:prstGeom prst="rect">
-            <a:avLst/>
-          </a:prstGeom>
-          <a:solidFill>
-            <a:srgbClr val="19264B"/>
-          </a:solidFill>
-          <a:ln>
-            <a:noFill/>
-          </a:ln>
-        </p:spPr>
-        <p:txBody>
-          <a:bodyPr spcFirstLastPara="1" wrap="square" lIns="91425" tIns="91425" rIns="91425" bIns="91425" anchor="ctr" anchorCtr="0">
-            <a:noAutofit/>
-          </a:bodyPr>
-          <a:lstStyle/>
-          <a:p>
-            <a:pPr marL="0" lvl="0" indent="0" algn="l" rtl="0">
-              <a:spcBef>
-                <a:spcPts val="0"/>
-              </a:spcBef>
-              <a:spcAft>
-                <a:spcPts val="0"/>
-              </a:spcAft>
-              <a:buNone/>
-            </a:pPr>
-            <a:endParaRPr dirty="0">
-              <a:latin typeface="맑은 고딕" panose="020B0503020000020004" pitchFamily="50" charset="-127"/>
-              <a:ea typeface="맑은 고딕" panose="020B0503020000020004" pitchFamily="50" charset="-127"/>
-            </a:endParaRPr>
-          </a:p>
-        </p:txBody>
-      </p:sp>
-      <p:cxnSp>
-        <p:nvCxnSpPr>
-          <p:cNvPr id="73" name="Google Shape;73;p15">
-            <a:extLst>
-              <a:ext uri="{FF2B5EF4-FFF2-40B4-BE49-F238E27FC236}">
-                <a16:creationId xmlns:a16="http://schemas.microsoft.com/office/drawing/2014/main" id="{17EF8B7E-90F9-7DFB-5CEC-9F4BA17837FF}"/>
-              </a:ext>
-            </a:extLst>
-          </p:cNvPr>
-          <p:cNvCxnSpPr/>
-          <p:nvPr/>
-        </p:nvCxnSpPr>
-        <p:spPr>
-          <a:xfrm>
-            <a:off x="172875" y="-37950"/>
-            <a:ext cx="0" cy="2187000"/>
-          </a:xfrm>
-          <a:prstGeom prst="straightConnector1">
-            <a:avLst/>
-          </a:prstGeom>
-          <a:noFill/>
-          <a:ln w="38100" cap="flat" cmpd="sng">
-            <a:solidFill>
-              <a:schemeClr val="lt1"/>
-            </a:solidFill>
-            <a:prstDash val="solid"/>
-            <a:round/>
-            <a:headEnd type="none" w="med" len="med"/>
-            <a:tailEnd type="none" w="med" len="med"/>
-          </a:ln>
-        </p:spPr>
-      </p:cxnSp>
-      <p:pic>
-        <p:nvPicPr>
-          <p:cNvPr id="74" name="Google Shape;74;p15">
-            <a:extLst>
-              <a:ext uri="{FF2B5EF4-FFF2-40B4-BE49-F238E27FC236}">
-                <a16:creationId xmlns:a16="http://schemas.microsoft.com/office/drawing/2014/main" id="{C8ABD8CD-5220-5E8E-A939-559EE93F96D8}"/>
-              </a:ext>
-            </a:extLst>
-          </p:cNvPr>
-          <p:cNvPicPr preferRelativeResize="0"/>
-          <p:nvPr/>
-        </p:nvPicPr>
-        <p:blipFill>
-          <a:blip r:embed="rId3">
-            <a:alphaModFix/>
-          </a:blip>
-          <a:stretch>
-            <a:fillRect/>
-          </a:stretch>
-        </p:blipFill>
-        <p:spPr>
-          <a:xfrm rot="5400000">
-            <a:off x="-928700" y="3071650"/>
-            <a:ext cx="3038475" cy="1181100"/>
-          </a:xfrm>
-          <a:prstGeom prst="rect">
-            <a:avLst/>
-          </a:prstGeom>
-          <a:noFill/>
-          <a:ln>
-            <a:noFill/>
-          </a:ln>
-        </p:spPr>
-      </p:pic>
-      <p:sp>
-        <p:nvSpPr>
-          <p:cNvPr id="2" name="TextBox 1">
-            <a:extLst>
-              <a:ext uri="{FF2B5EF4-FFF2-40B4-BE49-F238E27FC236}">
-                <a16:creationId xmlns:a16="http://schemas.microsoft.com/office/drawing/2014/main" id="{B5E7D8AE-93AF-B0F7-2954-0A509C383F96}"/>
-              </a:ext>
-            </a:extLst>
-          </p:cNvPr>
-          <p:cNvSpPr txBox="1"/>
-          <p:nvPr/>
-        </p:nvSpPr>
-        <p:spPr>
-          <a:xfrm>
-            <a:off x="1353975" y="228600"/>
-            <a:ext cx="3239990" cy="584775"/>
-          </a:xfrm>
-          <a:prstGeom prst="rect">
-            <a:avLst/>
-          </a:prstGeom>
-          <a:noFill/>
-        </p:spPr>
-        <p:txBody>
-          <a:bodyPr wrap="none" rtlCol="0">
-            <a:spAutoFit/>
-          </a:bodyPr>
-          <a:lstStyle/>
-          <a:p>
-            <a:r>
-              <a:rPr lang="en-US" altLang="ko-KR" sz="3200" b="1" dirty="0" err="1">
-                <a:solidFill>
-                  <a:schemeClr val="tx1"/>
-                </a:solidFill>
-                <a:latin typeface="applesdgothicneo-ultralight"/>
-              </a:rPr>
-              <a:t>PyTorch</a:t>
-            </a:r>
-            <a:r>
-              <a:rPr lang="en-US" altLang="ko-KR" sz="3200" b="1" dirty="0">
-                <a:solidFill>
-                  <a:schemeClr val="tx1"/>
-                </a:solidFill>
-                <a:latin typeface="applesdgothicneo-ultralight"/>
-              </a:rPr>
-              <a:t> - forward</a:t>
-            </a:r>
-            <a:endParaRPr lang="ko-KR" altLang="en-US" sz="3200" dirty="0">
-              <a:solidFill>
-                <a:schemeClr val="tx1"/>
-              </a:solidFill>
-            </a:endParaRPr>
-          </a:p>
-        </p:txBody>
-      </p:sp>
-      <p:sp>
-        <p:nvSpPr>
-          <p:cNvPr id="3" name="TextBox 2">
-            <a:extLst>
-              <a:ext uri="{FF2B5EF4-FFF2-40B4-BE49-F238E27FC236}">
-                <a16:creationId xmlns:a16="http://schemas.microsoft.com/office/drawing/2014/main" id="{A48E5C0F-1B4A-C6DC-39D7-3BBEB7BF3891}"/>
-              </a:ext>
-            </a:extLst>
-          </p:cNvPr>
-          <p:cNvSpPr txBox="1"/>
-          <p:nvPr/>
-        </p:nvSpPr>
-        <p:spPr>
-          <a:xfrm>
-            <a:off x="1556909" y="3089344"/>
-            <a:ext cx="7244291" cy="1477328"/>
-          </a:xfrm>
-          <a:prstGeom prst="rect">
-            <a:avLst/>
-          </a:prstGeom>
-          <a:noFill/>
-        </p:spPr>
-        <p:txBody>
-          <a:bodyPr wrap="none" rtlCol="0">
-            <a:spAutoFit/>
-          </a:bodyPr>
-          <a:lstStyle/>
-          <a:p>
-            <a:pPr marL="285750" indent="-285750">
-              <a:buFontTx/>
-              <a:buChar char="-"/>
-            </a:pPr>
-            <a:r>
-              <a:rPr lang="en-US" altLang="ko-KR" sz="1800" dirty="0"/>
-              <a:t>X.mm(w1) : X</a:t>
-            </a:r>
-            <a:r>
-              <a:rPr lang="ko-KR" altLang="en-US" sz="1800" dirty="0"/>
-              <a:t>와 </a:t>
-            </a:r>
-            <a:r>
-              <a:rPr lang="en-US" altLang="ko-KR" sz="1800" dirty="0"/>
-              <a:t>w1</a:t>
-            </a:r>
-            <a:r>
-              <a:rPr lang="ko-KR" altLang="en-US" sz="1800" dirty="0"/>
-              <a:t>을 </a:t>
-            </a:r>
-            <a:r>
-              <a:rPr lang="ko-KR" altLang="en-US" sz="1800" dirty="0" err="1"/>
-              <a:t>행렬곱</a:t>
-            </a:r>
-            <a:endParaRPr lang="en-US" altLang="ko-KR" sz="1800" dirty="0"/>
-          </a:p>
-          <a:p>
-            <a:pPr marL="285750" indent="-285750">
-              <a:buFontTx/>
-              <a:buChar char="-"/>
-            </a:pPr>
-            <a:r>
-              <a:rPr lang="en-US" altLang="ko-KR" sz="1800" dirty="0"/>
-              <a:t>Clamp(min=0) : min</a:t>
-            </a:r>
-            <a:r>
-              <a:rPr lang="ko-KR" altLang="en-US" sz="1800" dirty="0"/>
-              <a:t>값</a:t>
-            </a:r>
-            <a:r>
-              <a:rPr lang="en-US" altLang="ko-KR" sz="1800" dirty="0"/>
-              <a:t>(=0)</a:t>
-            </a:r>
-            <a:r>
-              <a:rPr lang="ko-KR" altLang="en-US" sz="1800" dirty="0"/>
-              <a:t>보다</a:t>
-            </a:r>
-            <a:r>
-              <a:rPr lang="en-US" altLang="ko-KR" sz="1800" dirty="0"/>
-              <a:t> </a:t>
-            </a:r>
-            <a:r>
-              <a:rPr lang="ko-KR" altLang="en-US" sz="1800" dirty="0"/>
-              <a:t>작은 값은 </a:t>
-            </a:r>
-            <a:r>
-              <a:rPr lang="en-US" altLang="ko-KR" sz="1800" dirty="0"/>
-              <a:t>0, </a:t>
-            </a:r>
-            <a:r>
-              <a:rPr lang="ko-KR" altLang="en-US" sz="1800" dirty="0"/>
-              <a:t>이외는 그대로 값 사용</a:t>
-            </a:r>
-            <a:endParaRPr lang="en-US" altLang="ko-KR" sz="1800" dirty="0"/>
-          </a:p>
-          <a:p>
-            <a:r>
-              <a:rPr lang="en-US" altLang="ko-KR" sz="1800" dirty="0"/>
-              <a:t>     ( =</a:t>
-            </a:r>
-            <a:r>
-              <a:rPr lang="ko-KR" altLang="en-US" sz="1800" dirty="0"/>
-              <a:t> </a:t>
-            </a:r>
-            <a:r>
-              <a:rPr lang="en-US" altLang="ko-KR" sz="1800" dirty="0" err="1"/>
-              <a:t>relu</a:t>
-            </a:r>
-            <a:r>
-              <a:rPr lang="ko-KR" altLang="en-US" sz="1800" dirty="0"/>
-              <a:t> </a:t>
-            </a:r>
-            <a:r>
-              <a:rPr lang="en-US" altLang="ko-KR" sz="1800" dirty="0"/>
-              <a:t>function</a:t>
-            </a:r>
-            <a:r>
-              <a:rPr lang="ko-KR" altLang="en-US" sz="1800" dirty="0"/>
-              <a:t> </a:t>
-            </a:r>
-            <a:r>
-              <a:rPr lang="en-US" altLang="ko-KR" sz="1800" dirty="0"/>
-              <a:t>)</a:t>
-            </a:r>
-          </a:p>
-          <a:p>
-            <a:r>
-              <a:rPr lang="en-US" altLang="ko-KR" sz="1800" dirty="0"/>
-              <a:t>-  Least Minimum </a:t>
-            </a:r>
-            <a:r>
-              <a:rPr lang="en-US" altLang="ko-KR" sz="1800" dirty="0" err="1"/>
-              <a:t>Squrare</a:t>
-            </a:r>
-            <a:r>
-              <a:rPr lang="ko-KR" altLang="en-US" sz="1800" dirty="0"/>
-              <a:t>의 값 계산 </a:t>
-            </a:r>
-            <a:endParaRPr lang="en-US" altLang="ko-KR" sz="1800" dirty="0"/>
-          </a:p>
-          <a:p>
-            <a:endParaRPr lang="en-US" altLang="ko-KR" sz="1800" dirty="0"/>
-          </a:p>
-        </p:txBody>
-      </p:sp>
-      <p:pic>
-        <p:nvPicPr>
-          <p:cNvPr id="5" name="그림 4">
-            <a:extLst>
-              <a:ext uri="{FF2B5EF4-FFF2-40B4-BE49-F238E27FC236}">
-                <a16:creationId xmlns:a16="http://schemas.microsoft.com/office/drawing/2014/main" id="{E3E156DF-8F85-E852-16E8-A057F5F0D068}"/>
-              </a:ext>
-            </a:extLst>
-          </p:cNvPr>
-          <p:cNvPicPr>
-            <a:picLocks noChangeAspect="1"/>
-          </p:cNvPicPr>
-          <p:nvPr/>
-        </p:nvPicPr>
-        <p:blipFill>
-          <a:blip r:embed="rId4"/>
-          <a:stretch>
-            <a:fillRect/>
-          </a:stretch>
-        </p:blipFill>
-        <p:spPr>
-          <a:xfrm>
-            <a:off x="1648657" y="1193259"/>
-            <a:ext cx="4607481" cy="1516200"/>
-          </a:xfrm>
-          <a:prstGeom prst="rect">
-            <a:avLst/>
-          </a:prstGeom>
-        </p:spPr>
-      </p:pic>
-      <p:pic>
-        <p:nvPicPr>
-          <p:cNvPr id="8" name="그림 7">
-            <a:extLst>
-              <a:ext uri="{FF2B5EF4-FFF2-40B4-BE49-F238E27FC236}">
-                <a16:creationId xmlns:a16="http://schemas.microsoft.com/office/drawing/2014/main" id="{D9F4C16B-BEF3-C97B-F93B-D3C75437902D}"/>
-              </a:ext>
-            </a:extLst>
-          </p:cNvPr>
-          <p:cNvPicPr>
-            <a:picLocks noChangeAspect="1"/>
-          </p:cNvPicPr>
-          <p:nvPr/>
-        </p:nvPicPr>
-        <p:blipFill>
-          <a:blip r:embed="rId5"/>
-          <a:stretch>
-            <a:fillRect/>
-          </a:stretch>
-        </p:blipFill>
-        <p:spPr>
-          <a:xfrm>
-            <a:off x="6256138" y="3950241"/>
-            <a:ext cx="2353003" cy="800212"/>
-          </a:xfrm>
-          <a:prstGeom prst="rect">
-            <a:avLst/>
-          </a:prstGeom>
-        </p:spPr>
-      </p:pic>
-    </p:spTree>
-    <p:extLst>
-      <p:ext uri="{BB962C8B-B14F-4D97-AF65-F5344CB8AC3E}">
-        <p14:creationId xmlns:p14="http://schemas.microsoft.com/office/powerpoint/2010/main" val="1427011246"/>
-      </p:ext>
-    </p:extLst>
-  </p:cSld>
-  <p:clrMapOvr>
-    <a:masterClrMapping/>
-  </p:clrMapOvr>
-</p:sld>
-</file>
-
-<file path=ppt/slides/slide12.xml><?xml version="1.0" encoding="utf-8"?>
-<p:sld xmlns:a="http://schemas.openxmlformats.org/drawingml/2006/main" xmlns:r="http://schemas.openxmlformats.org/officeDocument/2006/relationships" xmlns:p="http://schemas.openxmlformats.org/presentationml/2006/main">
-  <p:cSld>
-    <p:spTree>
-      <p:nvGrpSpPr>
-        <p:cNvPr id="1" name="Shape 71">
-          <a:extLst>
-            <a:ext uri="{FF2B5EF4-FFF2-40B4-BE49-F238E27FC236}">
-              <a16:creationId xmlns:a16="http://schemas.microsoft.com/office/drawing/2014/main" id="{660D1FB9-B95B-82AB-E005-35DC59362BF5}"/>
-            </a:ext>
-          </a:extLst>
-        </p:cNvPr>
-        <p:cNvGrpSpPr/>
-        <p:nvPr/>
-      </p:nvGrpSpPr>
-      <p:grpSpPr>
-        <a:xfrm>
-          <a:off x="0" y="0"/>
-          <a:ext cx="0" cy="0"/>
-          <a:chOff x="0" y="0"/>
-          <a:chExt cx="0" cy="0"/>
-        </a:xfrm>
-      </p:grpSpPr>
-      <p:sp>
-        <p:nvSpPr>
-          <p:cNvPr id="72" name="Google Shape;72;p15">
-            <a:extLst>
-              <a:ext uri="{FF2B5EF4-FFF2-40B4-BE49-F238E27FC236}">
-                <a16:creationId xmlns:a16="http://schemas.microsoft.com/office/drawing/2014/main" id="{ADBADD70-4147-7BD5-81AC-856D1F1956A9}"/>
-              </a:ext>
-            </a:extLst>
-          </p:cNvPr>
-          <p:cNvSpPr/>
-          <p:nvPr/>
-        </p:nvSpPr>
-        <p:spPr>
-          <a:xfrm>
-            <a:off x="0" y="-37950"/>
-            <a:ext cx="1181100" cy="5219400"/>
-          </a:xfrm>
-          <a:prstGeom prst="rect">
-            <a:avLst/>
-          </a:prstGeom>
-          <a:solidFill>
-            <a:srgbClr val="19264B"/>
-          </a:solidFill>
-          <a:ln>
-            <a:noFill/>
-          </a:ln>
-        </p:spPr>
-        <p:txBody>
-          <a:bodyPr spcFirstLastPara="1" wrap="square" lIns="91425" tIns="91425" rIns="91425" bIns="91425" anchor="ctr" anchorCtr="0">
-            <a:noAutofit/>
-          </a:bodyPr>
-          <a:lstStyle/>
-          <a:p>
-            <a:pPr marL="0" lvl="0" indent="0" algn="l" rtl="0">
-              <a:spcBef>
-                <a:spcPts val="0"/>
-              </a:spcBef>
-              <a:spcAft>
-                <a:spcPts val="0"/>
-              </a:spcAft>
-              <a:buNone/>
-            </a:pPr>
-            <a:endParaRPr dirty="0">
-              <a:latin typeface="맑은 고딕" panose="020B0503020000020004" pitchFamily="50" charset="-127"/>
-              <a:ea typeface="맑은 고딕" panose="020B0503020000020004" pitchFamily="50" charset="-127"/>
-            </a:endParaRPr>
-          </a:p>
-        </p:txBody>
-      </p:sp>
-      <p:cxnSp>
-        <p:nvCxnSpPr>
-          <p:cNvPr id="73" name="Google Shape;73;p15">
-            <a:extLst>
-              <a:ext uri="{FF2B5EF4-FFF2-40B4-BE49-F238E27FC236}">
-                <a16:creationId xmlns:a16="http://schemas.microsoft.com/office/drawing/2014/main" id="{032927CB-FBA8-9172-9755-82B5DDCD03A3}"/>
-              </a:ext>
-            </a:extLst>
-          </p:cNvPr>
-          <p:cNvCxnSpPr/>
-          <p:nvPr/>
-        </p:nvCxnSpPr>
-        <p:spPr>
-          <a:xfrm>
-            <a:off x="172875" y="-37950"/>
-            <a:ext cx="0" cy="2187000"/>
-          </a:xfrm>
-          <a:prstGeom prst="straightConnector1">
-            <a:avLst/>
-          </a:prstGeom>
-          <a:noFill/>
-          <a:ln w="38100" cap="flat" cmpd="sng">
-            <a:solidFill>
-              <a:schemeClr val="lt1"/>
-            </a:solidFill>
-            <a:prstDash val="solid"/>
-            <a:round/>
-            <a:headEnd type="none" w="med" len="med"/>
-            <a:tailEnd type="none" w="med" len="med"/>
-          </a:ln>
-        </p:spPr>
-      </p:cxnSp>
-      <p:pic>
-        <p:nvPicPr>
-          <p:cNvPr id="74" name="Google Shape;74;p15">
-            <a:extLst>
-              <a:ext uri="{FF2B5EF4-FFF2-40B4-BE49-F238E27FC236}">
-                <a16:creationId xmlns:a16="http://schemas.microsoft.com/office/drawing/2014/main" id="{DCF2C27C-60CE-E6BE-1428-F0F1D20F5284}"/>
-              </a:ext>
-            </a:extLst>
-          </p:cNvPr>
-          <p:cNvPicPr preferRelativeResize="0"/>
-          <p:nvPr/>
-        </p:nvPicPr>
-        <p:blipFill>
-          <a:blip r:embed="rId3">
-            <a:alphaModFix/>
-          </a:blip>
-          <a:stretch>
-            <a:fillRect/>
-          </a:stretch>
-        </p:blipFill>
-        <p:spPr>
-          <a:xfrm rot="5400000">
-            <a:off x="-928700" y="3071650"/>
-            <a:ext cx="3038475" cy="1181100"/>
-          </a:xfrm>
-          <a:prstGeom prst="rect">
-            <a:avLst/>
-          </a:prstGeom>
-          <a:noFill/>
-          <a:ln>
-            <a:noFill/>
-          </a:ln>
-        </p:spPr>
-      </p:pic>
-      <p:sp>
-        <p:nvSpPr>
-          <p:cNvPr id="2" name="TextBox 1">
-            <a:extLst>
-              <a:ext uri="{FF2B5EF4-FFF2-40B4-BE49-F238E27FC236}">
-                <a16:creationId xmlns:a16="http://schemas.microsoft.com/office/drawing/2014/main" id="{4A754121-250A-9618-344F-E9F9321296D8}"/>
-              </a:ext>
-            </a:extLst>
-          </p:cNvPr>
-          <p:cNvSpPr txBox="1"/>
-          <p:nvPr/>
-        </p:nvSpPr>
-        <p:spPr>
-          <a:xfrm>
-            <a:off x="1353975" y="228600"/>
-            <a:ext cx="3239990" cy="584775"/>
-          </a:xfrm>
-          <a:prstGeom prst="rect">
-            <a:avLst/>
-          </a:prstGeom>
-          <a:noFill/>
-        </p:spPr>
-        <p:txBody>
-          <a:bodyPr wrap="none" rtlCol="0">
-            <a:spAutoFit/>
-          </a:bodyPr>
-          <a:lstStyle/>
-          <a:p>
-            <a:r>
-              <a:rPr lang="en-US" altLang="ko-KR" sz="3200" b="1" dirty="0" err="1">
-                <a:solidFill>
-                  <a:schemeClr val="tx1"/>
-                </a:solidFill>
-                <a:latin typeface="applesdgothicneo-ultralight"/>
-              </a:rPr>
-              <a:t>PyTorch</a:t>
-            </a:r>
-            <a:r>
-              <a:rPr lang="en-US" altLang="ko-KR" sz="3200" b="1" dirty="0">
-                <a:solidFill>
-                  <a:schemeClr val="tx1"/>
-                </a:solidFill>
-                <a:latin typeface="applesdgothicneo-ultralight"/>
-              </a:rPr>
-              <a:t> - forward</a:t>
-            </a:r>
-            <a:endParaRPr lang="ko-KR" altLang="en-US" sz="3200" dirty="0">
-              <a:solidFill>
-                <a:schemeClr val="tx1"/>
-              </a:solidFill>
-            </a:endParaRPr>
-          </a:p>
-        </p:txBody>
-      </p:sp>
-      <p:sp>
-        <p:nvSpPr>
-          <p:cNvPr id="3" name="TextBox 2">
-            <a:extLst>
-              <a:ext uri="{FF2B5EF4-FFF2-40B4-BE49-F238E27FC236}">
-                <a16:creationId xmlns:a16="http://schemas.microsoft.com/office/drawing/2014/main" id="{B4813D80-3F73-98E2-4438-69CF8BC19972}"/>
-              </a:ext>
-            </a:extLst>
-          </p:cNvPr>
-          <p:cNvSpPr txBox="1"/>
-          <p:nvPr/>
-        </p:nvSpPr>
-        <p:spPr>
-          <a:xfrm>
-            <a:off x="1544209" y="3903372"/>
-            <a:ext cx="6872394" cy="1200329"/>
-          </a:xfrm>
-          <a:prstGeom prst="rect">
-            <a:avLst/>
-          </a:prstGeom>
-          <a:noFill/>
-        </p:spPr>
-        <p:txBody>
-          <a:bodyPr wrap="none" rtlCol="0">
-            <a:spAutoFit/>
-          </a:bodyPr>
-          <a:lstStyle/>
-          <a:p>
-            <a:pPr marL="285750" indent="-285750">
-              <a:buFontTx/>
-              <a:buChar char="-"/>
-            </a:pPr>
-            <a:r>
-              <a:rPr lang="en-US" altLang="ko-KR" sz="1800" dirty="0" err="1"/>
-              <a:t>Pytorch</a:t>
-            </a:r>
-            <a:r>
-              <a:rPr lang="ko-KR" altLang="en-US" sz="1800" dirty="0"/>
-              <a:t>의 </a:t>
-            </a:r>
-            <a:r>
-              <a:rPr lang="en-US" altLang="ko-KR" sz="1800" dirty="0"/>
-              <a:t>variable</a:t>
-            </a:r>
-            <a:r>
-              <a:rPr lang="ko-KR" altLang="en-US" sz="1800" dirty="0"/>
-              <a:t>에 저장된 </a:t>
-            </a:r>
-            <a:r>
-              <a:rPr lang="en-US" altLang="ko-KR" sz="1800" dirty="0"/>
-              <a:t>gradient </a:t>
-            </a:r>
-            <a:r>
-              <a:rPr lang="ko-KR" altLang="en-US" sz="1800" dirty="0"/>
-              <a:t>값은 초기화 하지 않으면 </a:t>
-            </a:r>
-            <a:endParaRPr lang="en-US" altLang="ko-KR" sz="1800" dirty="0"/>
-          </a:p>
-          <a:p>
-            <a:r>
-              <a:rPr lang="en-US" altLang="ko-KR" sz="1800" dirty="0"/>
-              <a:t>    </a:t>
-            </a:r>
-            <a:r>
-              <a:rPr lang="ko-KR" altLang="en-US" sz="1800" dirty="0"/>
-              <a:t>값을 계속 누적</a:t>
-            </a:r>
-            <a:endParaRPr lang="en-US" altLang="ko-KR" sz="1800" dirty="0"/>
-          </a:p>
-          <a:p>
-            <a:r>
-              <a:rPr lang="en-US" altLang="ko-KR" sz="1800" dirty="0"/>
-              <a:t>=&gt; 0</a:t>
-            </a:r>
-            <a:r>
-              <a:rPr lang="ko-KR" altLang="en-US" sz="1800" dirty="0"/>
-              <a:t>이 아닌 값은 </a:t>
-            </a:r>
-            <a:r>
-              <a:rPr lang="en-US" altLang="ko-KR" sz="1800" dirty="0"/>
-              <a:t>0</a:t>
-            </a:r>
-            <a:r>
-              <a:rPr lang="ko-KR" altLang="en-US" sz="1800" dirty="0"/>
-              <a:t>으로 초기화하고 </a:t>
-            </a:r>
-            <a:r>
-              <a:rPr lang="en-US" altLang="ko-KR" sz="1800" dirty="0"/>
-              <a:t>loss</a:t>
-            </a:r>
-            <a:r>
-              <a:rPr lang="ko-KR" altLang="en-US" sz="1800" dirty="0"/>
-              <a:t>에 대한 </a:t>
-            </a:r>
-            <a:r>
-              <a:rPr lang="en-US" altLang="ko-KR" sz="1800" dirty="0"/>
-              <a:t>gradient </a:t>
-            </a:r>
-            <a:r>
-              <a:rPr lang="ko-KR" altLang="en-US" sz="1800" dirty="0"/>
-              <a:t>값</a:t>
-            </a:r>
-            <a:r>
-              <a:rPr lang="en-US" altLang="ko-KR" sz="1800" dirty="0"/>
-              <a:t> </a:t>
-            </a:r>
-            <a:r>
-              <a:rPr lang="ko-KR" altLang="en-US" sz="1800" dirty="0"/>
-              <a:t>계산</a:t>
-            </a:r>
-            <a:endParaRPr lang="en-US" altLang="ko-KR" sz="1800" dirty="0"/>
-          </a:p>
-          <a:p>
-            <a:endParaRPr lang="en-US" altLang="ko-KR" sz="1800" dirty="0"/>
-          </a:p>
-        </p:txBody>
-      </p:sp>
-      <p:pic>
-        <p:nvPicPr>
-          <p:cNvPr id="6" name="그림 5">
-            <a:extLst>
-              <a:ext uri="{FF2B5EF4-FFF2-40B4-BE49-F238E27FC236}">
-                <a16:creationId xmlns:a16="http://schemas.microsoft.com/office/drawing/2014/main" id="{DD50D17C-8656-2588-0AEB-F48D3623C5E2}"/>
-              </a:ext>
-            </a:extLst>
-          </p:cNvPr>
-          <p:cNvPicPr>
-            <a:picLocks noChangeAspect="1"/>
-          </p:cNvPicPr>
-          <p:nvPr/>
-        </p:nvPicPr>
-        <p:blipFill>
-          <a:blip r:embed="rId4"/>
-          <a:stretch>
-            <a:fillRect/>
-          </a:stretch>
-        </p:blipFill>
-        <p:spPr>
-          <a:xfrm>
-            <a:off x="1725382" y="932147"/>
-            <a:ext cx="3763502" cy="2852453"/>
-          </a:xfrm>
-          <a:prstGeom prst="rect">
-            <a:avLst/>
-          </a:prstGeom>
-        </p:spPr>
-      </p:pic>
-    </p:spTree>
-    <p:extLst>
-      <p:ext uri="{BB962C8B-B14F-4D97-AF65-F5344CB8AC3E}">
-        <p14:creationId xmlns:p14="http://schemas.microsoft.com/office/powerpoint/2010/main" val="1127787554"/>
-      </p:ext>
-    </p:extLst>
-  </p:cSld>
-  <p:clrMapOvr>
-    <a:masterClrMapping/>
-  </p:clrMapOvr>
-</p:sld>
-</file>
-
-<file path=ppt/slides/slide13.xml><?xml version="1.0" encoding="utf-8"?>
-<p:sld xmlns:a="http://schemas.openxmlformats.org/drawingml/2006/main" xmlns:r="http://schemas.openxmlformats.org/officeDocument/2006/relationships" xmlns:p="http://schemas.openxmlformats.org/presentationml/2006/main">
-  <p:cSld>
-    <p:spTree>
-      <p:nvGrpSpPr>
         <p:cNvPr id="1" name="Shape 71">
           <a:extLst>
             <a:ext uri="{FF2B5EF4-FFF2-40B4-BE49-F238E27FC236}">
@@ -9904,7 +8302,7 @@
 </p:sld>
 </file>
 
-<file path=ppt/slides/slide14.xml><?xml version="1.0" encoding="utf-8"?>
+<file path=ppt/slides/slide11.xml><?xml version="1.0" encoding="utf-8"?>
 <p:sld xmlns:a="http://schemas.openxmlformats.org/drawingml/2006/main" xmlns:r="http://schemas.openxmlformats.org/officeDocument/2006/relationships" xmlns:p="http://schemas.openxmlformats.org/presentationml/2006/main">
   <p:cSld>
     <p:spTree>
@@ -10275,7 +8673,7 @@
 </p:sld>
 </file>
 
-<file path=ppt/slides/slide15.xml><?xml version="1.0" encoding="utf-8"?>
+<file path=ppt/slides/slide12.xml><?xml version="1.0" encoding="utf-8"?>
 <p:sld xmlns:a="http://schemas.openxmlformats.org/drawingml/2006/main" xmlns:r="http://schemas.openxmlformats.org/officeDocument/2006/relationships" xmlns:p="http://schemas.openxmlformats.org/presentationml/2006/main">
   <p:cSld>
     <p:spTree>
@@ -10635,7 +9033,7 @@
 </p:sld>
 </file>
 
-<file path=ppt/slides/slide16.xml><?xml version="1.0" encoding="utf-8"?>
+<file path=ppt/slides/slide13.xml><?xml version="1.0" encoding="utf-8"?>
 <p:sld xmlns:a="http://schemas.openxmlformats.org/drawingml/2006/main" xmlns:r="http://schemas.openxmlformats.org/officeDocument/2006/relationships" xmlns:p="http://schemas.openxmlformats.org/presentationml/2006/main">
   <p:cSld>
     <p:spTree>
@@ -10973,7 +9371,7 @@
 </p:sld>
 </file>
 
-<file path=ppt/slides/slide17.xml><?xml version="1.0" encoding="utf-8"?>
+<file path=ppt/slides/slide14.xml><?xml version="1.0" encoding="utf-8"?>
 <p:sld xmlns:a="http://schemas.openxmlformats.org/drawingml/2006/main" xmlns:r="http://schemas.openxmlformats.org/officeDocument/2006/relationships" xmlns:p="http://schemas.openxmlformats.org/presentationml/2006/main">
   <p:cSld>
     <p:spTree>
